--- a/docs/Hackathon_Presentation_2015.pptx
+++ b/docs/Hackathon_Presentation_2015.pptx
@@ -12,6 +12,7 @@
     <p:sldId id="259" r:id="rId6"/>
     <p:sldId id="261" r:id="rId7"/>
     <p:sldId id="262" r:id="rId8"/>
+    <p:sldId id="263" r:id="rId9"/>
   </p:sldIdLst>
   <p:sldSz cx="9144000" cy="6858000" type="screen4x3"/>
   <p:notesSz cx="6858000" cy="9144000"/>
@@ -294,7 +295,7 @@
           <a:p>
             <a:fld id="{5391B4AB-C702-4FD2-AB47-6F5CA2EBFE9A}" type="datetimeFigureOut">
               <a:rPr lang="en-US" smtClean="0"/>
-              <a:t>4/28/2015</a:t>
+              <a:t>4/29/2015</a:t>
             </a:fld>
             <a:endParaRPr lang="en-US"/>
           </a:p>
@@ -464,7 +465,7 @@
           <a:p>
             <a:fld id="{5391B4AB-C702-4FD2-AB47-6F5CA2EBFE9A}" type="datetimeFigureOut">
               <a:rPr lang="en-US" smtClean="0"/>
-              <a:t>4/28/2015</a:t>
+              <a:t>4/29/2015</a:t>
             </a:fld>
             <a:endParaRPr lang="en-US"/>
           </a:p>
@@ -644,7 +645,7 @@
           <a:p>
             <a:fld id="{5391B4AB-C702-4FD2-AB47-6F5CA2EBFE9A}" type="datetimeFigureOut">
               <a:rPr lang="en-US" smtClean="0"/>
-              <a:t>4/28/2015</a:t>
+              <a:t>4/29/2015</a:t>
             </a:fld>
             <a:endParaRPr lang="en-US"/>
           </a:p>
@@ -814,7 +815,7 @@
           <a:p>
             <a:fld id="{5391B4AB-C702-4FD2-AB47-6F5CA2EBFE9A}" type="datetimeFigureOut">
               <a:rPr lang="en-US" smtClean="0"/>
-              <a:t>4/28/2015</a:t>
+              <a:t>4/29/2015</a:t>
             </a:fld>
             <a:endParaRPr lang="en-US"/>
           </a:p>
@@ -1060,7 +1061,7 @@
           <a:p>
             <a:fld id="{5391B4AB-C702-4FD2-AB47-6F5CA2EBFE9A}" type="datetimeFigureOut">
               <a:rPr lang="en-US" smtClean="0"/>
-              <a:t>4/28/2015</a:t>
+              <a:t>4/29/2015</a:t>
             </a:fld>
             <a:endParaRPr lang="en-US"/>
           </a:p>
@@ -1348,7 +1349,7 @@
           <a:p>
             <a:fld id="{5391B4AB-C702-4FD2-AB47-6F5CA2EBFE9A}" type="datetimeFigureOut">
               <a:rPr lang="en-US" smtClean="0"/>
-              <a:t>4/28/2015</a:t>
+              <a:t>4/29/2015</a:t>
             </a:fld>
             <a:endParaRPr lang="en-US"/>
           </a:p>
@@ -1770,7 +1771,7 @@
           <a:p>
             <a:fld id="{5391B4AB-C702-4FD2-AB47-6F5CA2EBFE9A}" type="datetimeFigureOut">
               <a:rPr lang="en-US" smtClean="0"/>
-              <a:t>4/28/2015</a:t>
+              <a:t>4/29/2015</a:t>
             </a:fld>
             <a:endParaRPr lang="en-US"/>
           </a:p>
@@ -1888,7 +1889,7 @@
           <a:p>
             <a:fld id="{5391B4AB-C702-4FD2-AB47-6F5CA2EBFE9A}" type="datetimeFigureOut">
               <a:rPr lang="en-US" smtClean="0"/>
-              <a:t>4/28/2015</a:t>
+              <a:t>4/29/2015</a:t>
             </a:fld>
             <a:endParaRPr lang="en-US"/>
           </a:p>
@@ -1983,7 +1984,7 @@
           <a:p>
             <a:fld id="{5391B4AB-C702-4FD2-AB47-6F5CA2EBFE9A}" type="datetimeFigureOut">
               <a:rPr lang="en-US" smtClean="0"/>
-              <a:t>4/28/2015</a:t>
+              <a:t>4/29/2015</a:t>
             </a:fld>
             <a:endParaRPr lang="en-US"/>
           </a:p>
@@ -2260,7 +2261,7 @@
           <a:p>
             <a:fld id="{5391B4AB-C702-4FD2-AB47-6F5CA2EBFE9A}" type="datetimeFigureOut">
               <a:rPr lang="en-US" smtClean="0"/>
-              <a:t>4/28/2015</a:t>
+              <a:t>4/29/2015</a:t>
             </a:fld>
             <a:endParaRPr lang="en-US"/>
           </a:p>
@@ -2513,7 +2514,7 @@
           <a:p>
             <a:fld id="{5391B4AB-C702-4FD2-AB47-6F5CA2EBFE9A}" type="datetimeFigureOut">
               <a:rPr lang="en-US" smtClean="0"/>
-              <a:t>4/28/2015</a:t>
+              <a:t>4/29/2015</a:t>
             </a:fld>
             <a:endParaRPr lang="en-US"/>
           </a:p>
@@ -2726,7 +2727,7 @@
           <a:p>
             <a:fld id="{5391B4AB-C702-4FD2-AB47-6F5CA2EBFE9A}" type="datetimeFigureOut">
               <a:rPr lang="en-US" smtClean="0"/>
-              <a:t>4/28/2015</a:t>
+              <a:t>4/29/2015</a:t>
             </a:fld>
             <a:endParaRPr lang="en-US"/>
           </a:p>
@@ -4181,40 +4182,7 @@
                 <a:latin typeface="Times New Roman" pitchFamily="18" charset="0"/>
                 <a:cs typeface="Times New Roman" pitchFamily="18" charset="0"/>
               </a:rPr>
-              <a:t>eveloped a scalable platform using the above softwares. we have </a:t>
-            </a:r>
-            <a:r>
-              <a:rPr lang="en-US" sz="1400" smtClean="0">
-                <a:solidFill>
-                  <a:schemeClr val="tx1"/>
-                </a:solidFill>
-                <a:effectLst/>
-                <a:latin typeface="Times New Roman" pitchFamily="18" charset="0"/>
-                <a:cs typeface="Times New Roman" pitchFamily="18" charset="0"/>
-              </a:rPr>
-              <a:t>used </a:t>
-            </a:r>
-            <a:r>
-              <a:rPr lang="en-US" sz="1400" smtClean="0">
-                <a:solidFill>
-                  <a:schemeClr val="tx1"/>
-                </a:solidFill>
-                <a:effectLst/>
-                <a:latin typeface="Times New Roman" pitchFamily="18" charset="0"/>
-                <a:cs typeface="Times New Roman" pitchFamily="18" charset="0"/>
-              </a:rPr>
-              <a:t>three different </a:t>
-            </a:r>
-            <a:r>
-              <a:rPr lang="en-US" sz="1400" dirty="0" smtClean="0">
-                <a:solidFill>
-                  <a:schemeClr val="tx1"/>
-                </a:solidFill>
-                <a:effectLst/>
-                <a:latin typeface="Times New Roman" pitchFamily="18" charset="0"/>
-                <a:cs typeface="Times New Roman" pitchFamily="18" charset="0"/>
-              </a:rPr>
-              <a:t>streaming log sources from accesslog,syslog,emaillog. Logs are being generated with the help of log simulators. Each of the streaming log source is being accessed/monitored by a forwarder or a monitor which reads the streaming logs using pull mechanism. Forwarders are created in Perl. The streaming data is ingested by respective indexers and stored in MongoDB. Here we have enabled a custom Dashboard for the users.</a:t>
+              <a:t>eveloped a scalable platform using the above softwares. we have used three different streaming log sources from accesslog,syslog,emaillog. Logs are being generated with the help of log simulators. Each of the streaming log source is being accessed/monitored by a forwarder or a monitor which reads the streaming logs using pull mechanism. Forwarders are created in Perl. The streaming data is ingested by respective indexers and stored in MongoDB. Here we have enabled a custom Dashboard for the users.</a:t>
             </a:r>
           </a:p>
           <a:p>
@@ -4339,8 +4307,38 @@
                 <a:latin typeface="Times New Roman" pitchFamily="18" charset="0"/>
                 <a:cs typeface="Times New Roman" pitchFamily="18" charset="0"/>
               </a:rPr>
-              <a:t>an Alert Engine which sends the alerts based on the configured keywords.</a:t>
-            </a:r>
+              <a:t>an Alert Engine which sends the alerts based on the configured </a:t>
+            </a:r>
+            <a:r>
+              <a:rPr lang="en-US" sz="1400" dirty="0" smtClean="0">
+                <a:solidFill>
+                  <a:schemeClr val="tx1"/>
+                </a:solidFill>
+                <a:effectLst/>
+                <a:latin typeface="Times New Roman" pitchFamily="18" charset="0"/>
+                <a:cs typeface="Times New Roman" pitchFamily="18" charset="0"/>
+              </a:rPr>
+              <a:t>keywords </a:t>
+            </a:r>
+            <a:r>
+              <a:rPr lang="en-US" sz="1400" smtClean="0">
+                <a:solidFill>
+                  <a:schemeClr val="tx1"/>
+                </a:solidFill>
+                <a:effectLst/>
+                <a:latin typeface="Times New Roman" pitchFamily="18" charset="0"/>
+                <a:cs typeface="Times New Roman" pitchFamily="18" charset="0"/>
+              </a:rPr>
+              <a:t>in the Portal.</a:t>
+            </a:r>
+            <a:endParaRPr lang="en-US" sz="1400" dirty="0" smtClean="0">
+              <a:solidFill>
+                <a:schemeClr val="tx1"/>
+              </a:solidFill>
+              <a:effectLst/>
+              <a:latin typeface="Times New Roman" pitchFamily="18" charset="0"/>
+              <a:cs typeface="Times New Roman" pitchFamily="18" charset="0"/>
+            </a:endParaRPr>
           </a:p>
           <a:p>
             <a:pPr algn="l">
@@ -5228,6 +5226,105 @@
     <p:extLst>
       <p:ext uri="{BB962C8B-B14F-4D97-AF65-F5344CB8AC3E}">
         <p14:creationId xmlns:p14="http://schemas.microsoft.com/office/powerpoint/2010/main" val="3580822205"/>
+      </p:ext>
+    </p:extLst>
+  </p:cSld>
+  <p:clrMapOvr>
+    <a:masterClrMapping/>
+  </p:clrMapOvr>
+</p:sld>
+</file>
+
+<file path=ppt/slides/slide8.xml><?xml version="1.0" encoding="utf-8"?>
+<p:sld xmlns:a="http://schemas.openxmlformats.org/drawingml/2006/main" xmlns:r="http://schemas.openxmlformats.org/officeDocument/2006/relationships" xmlns:p="http://schemas.openxmlformats.org/presentationml/2006/main">
+  <p:cSld>
+    <p:spTree>
+      <p:nvGrpSpPr>
+        <p:cNvPr id="1" name=""/>
+        <p:cNvGrpSpPr/>
+        <p:nvPr/>
+      </p:nvGrpSpPr>
+      <p:grpSpPr>
+        <a:xfrm>
+          <a:off x="0" y="0"/>
+          <a:ext cx="0" cy="0"/>
+          <a:chOff x="0" y="0"/>
+          <a:chExt cx="0" cy="0"/>
+        </a:xfrm>
+      </p:grpSpPr>
+      <p:pic>
+        <p:nvPicPr>
+          <p:cNvPr id="4" name="Picture 2" descr="C:\Users\Surya\Desktop\ARP\Home Work &amp; Project proposal\Images\Q&amp;A.jpg"/>
+          <p:cNvPicPr>
+            <a:picLocks noGrp="1" noChangeAspect="1" noChangeArrowheads="1"/>
+          </p:cNvPicPr>
+          <p:nvPr>
+            <p:ph idx="1"/>
+          </p:nvPr>
+        </p:nvPicPr>
+        <p:blipFill>
+          <a:blip r:embed="rId2"/>
+          <a:srcRect/>
+          <a:stretch>
+            <a:fillRect/>
+          </a:stretch>
+        </p:blipFill>
+        <p:spPr bwMode="auto">
+          <a:xfrm>
+            <a:off x="533400" y="1676400"/>
+            <a:ext cx="7010400" cy="1524000"/>
+          </a:xfrm>
+          <a:prstGeom prst="rect">
+            <a:avLst/>
+          </a:prstGeom>
+          <a:noFill/>
+        </p:spPr>
+      </p:pic>
+      <p:pic>
+        <p:nvPicPr>
+          <p:cNvPr id="5" name="Picture 2" descr="C:\Users\v910046\Desktop\Surya\Surya Docs\ARP\Project\Images\Thank You.png"/>
+          <p:cNvPicPr>
+            <a:picLocks noChangeAspect="1" noChangeArrowheads="1"/>
+          </p:cNvPicPr>
+          <p:nvPr/>
+        </p:nvPicPr>
+        <p:blipFill>
+          <a:blip r:embed="rId3">
+            <a:extLst>
+              <a:ext uri="{28A0092B-C50C-407E-A947-70E740481C1C}">
+                <a14:useLocalDpi xmlns:a14="http://schemas.microsoft.com/office/drawing/2010/main" val="0"/>
+              </a:ext>
+            </a:extLst>
+          </a:blip>
+          <a:srcRect/>
+          <a:stretch>
+            <a:fillRect/>
+          </a:stretch>
+        </p:blipFill>
+        <p:spPr bwMode="auto">
+          <a:xfrm>
+            <a:off x="4057650" y="4572000"/>
+            <a:ext cx="4857750" cy="1524000"/>
+          </a:xfrm>
+          <a:prstGeom prst="rect">
+            <a:avLst/>
+          </a:prstGeom>
+          <a:noFill/>
+          <a:extLst>
+            <a:ext uri="{909E8E84-426E-40DD-AFC4-6F175D3DCCD1}">
+              <a14:hiddenFill xmlns:a14="http://schemas.microsoft.com/office/drawing/2010/main">
+                <a:solidFill>
+                  <a:srgbClr val="FFFFFF"/>
+                </a:solidFill>
+              </a14:hiddenFill>
+            </a:ext>
+          </a:extLst>
+        </p:spPr>
+      </p:pic>
+    </p:spTree>
+    <p:extLst>
+      <p:ext uri="{BB962C8B-B14F-4D97-AF65-F5344CB8AC3E}">
+        <p14:creationId xmlns:p14="http://schemas.microsoft.com/office/powerpoint/2010/main" val="4117127643"/>
       </p:ext>
     </p:extLst>
   </p:cSld>
